--- a/ai/models/statistics/hmm/bkt.pptx
+++ b/ai/models/statistics/hmm/bkt.pptx
@@ -5,22 +5,23 @@
     <p:sldMasterId id="2147483648" r:id="rId1"/>
   </p:sldMasterIdLst>
   <p:notesMasterIdLst>
-    <p:notesMasterId r:id="rId15"/>
+    <p:notesMasterId r:id="rId16"/>
   </p:notesMasterIdLst>
   <p:sldIdLst>
     <p:sldId id="256" r:id="rId2"/>
-    <p:sldId id="257" r:id="rId3"/>
-    <p:sldId id="258" r:id="rId4"/>
-    <p:sldId id="259" r:id="rId5"/>
-    <p:sldId id="260" r:id="rId6"/>
-    <p:sldId id="267" r:id="rId7"/>
-    <p:sldId id="261" r:id="rId8"/>
-    <p:sldId id="268" r:id="rId9"/>
-    <p:sldId id="262" r:id="rId10"/>
-    <p:sldId id="263" r:id="rId11"/>
-    <p:sldId id="264" r:id="rId12"/>
-    <p:sldId id="265" r:id="rId13"/>
-    <p:sldId id="266" r:id="rId14"/>
+    <p:sldId id="269" r:id="rId3"/>
+    <p:sldId id="257" r:id="rId4"/>
+    <p:sldId id="258" r:id="rId5"/>
+    <p:sldId id="259" r:id="rId6"/>
+    <p:sldId id="260" r:id="rId7"/>
+    <p:sldId id="267" r:id="rId8"/>
+    <p:sldId id="261" r:id="rId9"/>
+    <p:sldId id="268" r:id="rId10"/>
+    <p:sldId id="262" r:id="rId11"/>
+    <p:sldId id="263" r:id="rId12"/>
+    <p:sldId id="264" r:id="rId13"/>
+    <p:sldId id="265" r:id="rId14"/>
+    <p:sldId id="266" r:id="rId15"/>
   </p:sldIdLst>
   <p:sldSz cx="12192000" cy="6858000"/>
   <p:notesSz cx="6858000" cy="9144000"/>
@@ -209,7 +210,7 @@
           <a:p>
             <a:fld id="{68AE26A4-05F7-4310-94C7-C93483716889}" type="datetimeFigureOut">
               <a:rPr lang="zh-CN" altLang="en-US" smtClean="0"/>
-              <a:t>2018/11/13</a:t>
+              <a:t>2018/12/4</a:t>
             </a:fld>
             <a:endParaRPr lang="zh-CN" altLang="en-US"/>
           </a:p>
@@ -575,7 +576,7 @@
           <a:p>
             <a:fld id="{DD1A2C08-6777-4999-8F27-003B94E4ADB4}" type="slidenum">
               <a:rPr lang="zh-CN" altLang="en-US" smtClean="0"/>
-              <a:t>5</a:t>
+              <a:t>6</a:t>
             </a:fld>
             <a:endParaRPr lang="zh-CN" altLang="en-US"/>
           </a:p>
@@ -692,7 +693,7 @@
           <a:p>
             <a:fld id="{DD1A2C08-6777-4999-8F27-003B94E4ADB4}" type="slidenum">
               <a:rPr lang="zh-CN" altLang="en-US" smtClean="0"/>
-              <a:t>6</a:t>
+              <a:t>7</a:t>
             </a:fld>
             <a:endParaRPr lang="zh-CN" altLang="en-US"/>
           </a:p>
@@ -776,7 +777,7 @@
           <a:p>
             <a:fld id="{DD1A2C08-6777-4999-8F27-003B94E4ADB4}" type="slidenum">
               <a:rPr lang="zh-CN" altLang="en-US" smtClean="0"/>
-              <a:t>8</a:t>
+              <a:t>9</a:t>
             </a:fld>
             <a:endParaRPr lang="zh-CN" altLang="en-US"/>
           </a:p>
@@ -860,7 +861,7 @@
           <a:p>
             <a:fld id="{DD1A2C08-6777-4999-8F27-003B94E4ADB4}" type="slidenum">
               <a:rPr lang="zh-CN" altLang="en-US" smtClean="0"/>
-              <a:t>9</a:t>
+              <a:t>10</a:t>
             </a:fld>
             <a:endParaRPr lang="zh-CN" altLang="en-US"/>
           </a:p>
@@ -1010,7 +1011,7 @@
           <a:p>
             <a:fld id="{44262E07-4A03-4CBC-B143-18009C2F5DD3}" type="datetimeFigureOut">
               <a:rPr lang="zh-CN" altLang="en-US" smtClean="0"/>
-              <a:t>2018/11/13</a:t>
+              <a:t>2018/12/4</a:t>
             </a:fld>
             <a:endParaRPr lang="zh-CN" altLang="en-US"/>
           </a:p>
@@ -1180,7 +1181,7 @@
           <a:p>
             <a:fld id="{44262E07-4A03-4CBC-B143-18009C2F5DD3}" type="datetimeFigureOut">
               <a:rPr lang="zh-CN" altLang="en-US" smtClean="0"/>
-              <a:t>2018/11/13</a:t>
+              <a:t>2018/12/4</a:t>
             </a:fld>
             <a:endParaRPr lang="zh-CN" altLang="en-US"/>
           </a:p>
@@ -1360,7 +1361,7 @@
           <a:p>
             <a:fld id="{44262E07-4A03-4CBC-B143-18009C2F5DD3}" type="datetimeFigureOut">
               <a:rPr lang="zh-CN" altLang="en-US" smtClean="0"/>
-              <a:t>2018/11/13</a:t>
+              <a:t>2018/12/4</a:t>
             </a:fld>
             <a:endParaRPr lang="zh-CN" altLang="en-US"/>
           </a:p>
@@ -1530,7 +1531,7 @@
           <a:p>
             <a:fld id="{44262E07-4A03-4CBC-B143-18009C2F5DD3}" type="datetimeFigureOut">
               <a:rPr lang="zh-CN" altLang="en-US" smtClean="0"/>
-              <a:t>2018/11/13</a:t>
+              <a:t>2018/12/4</a:t>
             </a:fld>
             <a:endParaRPr lang="zh-CN" altLang="en-US"/>
           </a:p>
@@ -1776,7 +1777,7 @@
           <a:p>
             <a:fld id="{44262E07-4A03-4CBC-B143-18009C2F5DD3}" type="datetimeFigureOut">
               <a:rPr lang="zh-CN" altLang="en-US" smtClean="0"/>
-              <a:t>2018/11/13</a:t>
+              <a:t>2018/12/4</a:t>
             </a:fld>
             <a:endParaRPr lang="zh-CN" altLang="en-US"/>
           </a:p>
@@ -2008,7 +2009,7 @@
           <a:p>
             <a:fld id="{44262E07-4A03-4CBC-B143-18009C2F5DD3}" type="datetimeFigureOut">
               <a:rPr lang="zh-CN" altLang="en-US" smtClean="0"/>
-              <a:t>2018/11/13</a:t>
+              <a:t>2018/12/4</a:t>
             </a:fld>
             <a:endParaRPr lang="zh-CN" altLang="en-US"/>
           </a:p>
@@ -2375,7 +2376,7 @@
           <a:p>
             <a:fld id="{44262E07-4A03-4CBC-B143-18009C2F5DD3}" type="datetimeFigureOut">
               <a:rPr lang="zh-CN" altLang="en-US" smtClean="0"/>
-              <a:t>2018/11/13</a:t>
+              <a:t>2018/12/4</a:t>
             </a:fld>
             <a:endParaRPr lang="zh-CN" altLang="en-US"/>
           </a:p>
@@ -2493,7 +2494,7 @@
           <a:p>
             <a:fld id="{44262E07-4A03-4CBC-B143-18009C2F5DD3}" type="datetimeFigureOut">
               <a:rPr lang="zh-CN" altLang="en-US" smtClean="0"/>
-              <a:t>2018/11/13</a:t>
+              <a:t>2018/12/4</a:t>
             </a:fld>
             <a:endParaRPr lang="zh-CN" altLang="en-US"/>
           </a:p>
@@ -2588,7 +2589,7 @@
           <a:p>
             <a:fld id="{44262E07-4A03-4CBC-B143-18009C2F5DD3}" type="datetimeFigureOut">
               <a:rPr lang="zh-CN" altLang="en-US" smtClean="0"/>
-              <a:t>2018/11/13</a:t>
+              <a:t>2018/12/4</a:t>
             </a:fld>
             <a:endParaRPr lang="zh-CN" altLang="en-US"/>
           </a:p>
@@ -2865,7 +2866,7 @@
           <a:p>
             <a:fld id="{44262E07-4A03-4CBC-B143-18009C2F5DD3}" type="datetimeFigureOut">
               <a:rPr lang="zh-CN" altLang="en-US" smtClean="0"/>
-              <a:t>2018/11/13</a:t>
+              <a:t>2018/12/4</a:t>
             </a:fld>
             <a:endParaRPr lang="zh-CN" altLang="en-US"/>
           </a:p>
@@ -3118,7 +3119,7 @@
           <a:p>
             <a:fld id="{44262E07-4A03-4CBC-B143-18009C2F5DD3}" type="datetimeFigureOut">
               <a:rPr lang="zh-CN" altLang="en-US" smtClean="0"/>
-              <a:t>2018/11/13</a:t>
+              <a:t>2018/12/4</a:t>
             </a:fld>
             <a:endParaRPr lang="zh-CN" altLang="en-US"/>
           </a:p>
@@ -3331,7 +3332,7 @@
           <a:p>
             <a:fld id="{44262E07-4A03-4CBC-B143-18009C2F5DD3}" type="datetimeFigureOut">
               <a:rPr lang="zh-CN" altLang="en-US" smtClean="0"/>
-              <a:t>2018/11/13</a:t>
+              <a:t>2018/12/4</a:t>
             </a:fld>
             <a:endParaRPr lang="zh-CN" altLang="en-US"/>
           </a:p>
@@ -3836,6 +3837,92 @@
           <a:p>
             <a:r>
               <a:rPr lang="en-US" altLang="zh-CN" dirty="0" smtClean="0"/>
+              <a:t>Baum-Welch Algorithm</a:t>
+            </a:r>
+            <a:endParaRPr lang="zh-CN" altLang="en-US" dirty="0"/>
+          </a:p>
+        </p:txBody>
+      </p:sp>
+      <p:pic>
+        <p:nvPicPr>
+          <p:cNvPr id="4" name="内容占位符 3"/>
+          <p:cNvPicPr>
+            <a:picLocks noGrp="1" noChangeAspect="1"/>
+          </p:cNvPicPr>
+          <p:nvPr>
+            <p:ph idx="1"/>
+          </p:nvPr>
+        </p:nvPicPr>
+        <p:blipFill>
+          <a:blip r:embed="rId3"/>
+          <a:stretch>
+            <a:fillRect/>
+          </a:stretch>
+        </p:blipFill>
+        <p:spPr>
+          <a:xfrm>
+            <a:off x="838200" y="1772871"/>
+            <a:ext cx="9896840" cy="4351338"/>
+          </a:xfrm>
+          <a:prstGeom prst="rect">
+            <a:avLst/>
+          </a:prstGeom>
+        </p:spPr>
+      </p:pic>
+    </p:spTree>
+    <p:extLst>
+      <p:ext uri="{BB962C8B-B14F-4D97-AF65-F5344CB8AC3E}">
+        <p14:creationId xmlns:p14="http://schemas.microsoft.com/office/powerpoint/2010/main" val="854817435"/>
+      </p:ext>
+    </p:extLst>
+  </p:cSld>
+  <p:clrMapOvr>
+    <a:masterClrMapping/>
+  </p:clrMapOvr>
+  <p:timing>
+    <p:tnLst>
+      <p:par>
+        <p:cTn id="1" dur="indefinite" restart="never" nodeType="tmRoot"/>
+      </p:par>
+    </p:tnLst>
+  </p:timing>
+</p:sld>
+</file>
+
+<file path=ppt/slides/slide11.xml><?xml version="1.0" encoding="utf-8"?>
+<p:sld xmlns:a="http://schemas.openxmlformats.org/drawingml/2006/main" xmlns:r="http://schemas.openxmlformats.org/officeDocument/2006/relationships" xmlns:p="http://schemas.openxmlformats.org/presentationml/2006/main">
+  <p:cSld>
+    <p:spTree>
+      <p:nvGrpSpPr>
+        <p:cNvPr id="1" name=""/>
+        <p:cNvGrpSpPr/>
+        <p:nvPr/>
+      </p:nvGrpSpPr>
+      <p:grpSpPr>
+        <a:xfrm>
+          <a:off x="0" y="0"/>
+          <a:ext cx="0" cy="0"/>
+          <a:chOff x="0" y="0"/>
+          <a:chExt cx="0" cy="0"/>
+        </a:xfrm>
+      </p:grpSpPr>
+      <p:sp>
+        <p:nvSpPr>
+          <p:cNvPr id="2" name="标题 1"/>
+          <p:cNvSpPr>
+            <a:spLocks noGrp="1"/>
+          </p:cNvSpPr>
+          <p:nvPr>
+            <p:ph type="title"/>
+          </p:nvPr>
+        </p:nvSpPr>
+        <p:spPr/>
+        <p:txBody>
+          <a:bodyPr/>
+          <a:lstStyle/>
+          <a:p>
+            <a:r>
+              <a:rPr lang="en-US" altLang="zh-CN" dirty="0" smtClean="0"/>
               <a:t>Expectation Maximization Algorithm</a:t>
             </a:r>
             <a:endParaRPr lang="zh-CN" altLang="en-US" dirty="0"/>
@@ -3888,7 +3975,7 @@
 </p:sld>
 </file>
 
-<file path=ppt/slides/slide11.xml><?xml version="1.0" encoding="utf-8"?>
+<file path=ppt/slides/slide12.xml><?xml version="1.0" encoding="utf-8"?>
 <p:sld xmlns:a="http://schemas.openxmlformats.org/drawingml/2006/main" xmlns:r="http://schemas.openxmlformats.org/officeDocument/2006/relationships" xmlns:p="http://schemas.openxmlformats.org/presentationml/2006/main">
   <p:cSld>
     <p:spTree>
@@ -3973,22 +4060,7 @@
               <a:rPr lang="en-US" altLang="zh-CN" dirty="0" smtClean="0"/>
               <a:t>step</a:t>
             </a:r>
-          </a:p>
-          <a:p>
-            <a:pPr lvl="1"/>
-            <a:r>
-              <a:rPr lang="zh-CN" altLang="en-US" dirty="0" smtClean="0">
-                <a:solidFill>
-                  <a:srgbClr val="FF0000"/>
-                </a:solidFill>
-              </a:rPr>
-              <a:t>？？？</a:t>
-            </a:r>
-            <a:endParaRPr lang="zh-CN" altLang="en-US" dirty="0">
-              <a:solidFill>
-                <a:srgbClr val="FF0000"/>
-              </a:solidFill>
-            </a:endParaRPr>
+            <a:endParaRPr lang="en-US" altLang="zh-CN" dirty="0" smtClean="0"/>
           </a:p>
         </p:txBody>
       </p:sp>
@@ -4012,7 +4084,7 @@
 </p:sld>
 </file>
 
-<file path=ppt/slides/slide12.xml><?xml version="1.0" encoding="utf-8"?>
+<file path=ppt/slides/slide13.xml><?xml version="1.0" encoding="utf-8"?>
 <p:sld xmlns:a="http://schemas.openxmlformats.org/drawingml/2006/main" xmlns:r="http://schemas.openxmlformats.org/officeDocument/2006/relationships" xmlns:p="http://schemas.openxmlformats.org/presentationml/2006/main">
   <p:cSld>
     <p:spTree>
@@ -4146,7 +4218,7 @@
 </p:sld>
 </file>
 
-<file path=ppt/slides/slide13.xml><?xml version="1.0" encoding="utf-8"?>
+<file path=ppt/slides/slide14.xml><?xml version="1.0" encoding="utf-8"?>
 <p:sld xmlns:a="http://schemas.openxmlformats.org/drawingml/2006/main" xmlns:r="http://schemas.openxmlformats.org/officeDocument/2006/relationships" xmlns:p="http://schemas.openxmlformats.org/presentationml/2006/main">
   <p:cSld>
     <p:spTree>
@@ -4267,6 +4339,88 @@
           <a:p>
             <a:r>
               <a:rPr lang="en-US" altLang="zh-CN" dirty="0" smtClean="0"/>
+              <a:t>BKT</a:t>
+            </a:r>
+            <a:endParaRPr lang="zh-CN" altLang="en-US" dirty="0"/>
+          </a:p>
+        </p:txBody>
+      </p:sp>
+      <p:sp>
+        <p:nvSpPr>
+          <p:cNvPr id="3" name="内容占位符 2"/>
+          <p:cNvSpPr>
+            <a:spLocks noGrp="1"/>
+          </p:cNvSpPr>
+          <p:nvPr>
+            <p:ph idx="1"/>
+          </p:nvPr>
+        </p:nvSpPr>
+        <p:spPr/>
+        <p:txBody>
+          <a:bodyPr/>
+          <a:lstStyle/>
+          <a:p>
+            <a:r>
+              <a:rPr lang="en-US" altLang="zh-CN" dirty="0" smtClean="0"/>
+              <a:t>Estimate parameters</a:t>
+            </a:r>
+          </a:p>
+          <a:p>
+            <a:r>
+              <a:rPr lang="en-US" altLang="zh-CN" dirty="0"/>
+              <a:t>Prediction</a:t>
+            </a:r>
+            <a:endParaRPr lang="zh-CN" altLang="en-US" dirty="0"/>
+          </a:p>
+        </p:txBody>
+      </p:sp>
+    </p:spTree>
+    <p:extLst>
+      <p:ext uri="{BB962C8B-B14F-4D97-AF65-F5344CB8AC3E}">
+        <p14:creationId xmlns:p14="http://schemas.microsoft.com/office/powerpoint/2010/main" val="1553307032"/>
+      </p:ext>
+    </p:extLst>
+  </p:cSld>
+  <p:clrMapOvr>
+    <a:masterClrMapping/>
+  </p:clrMapOvr>
+</p:sld>
+</file>
+
+<file path=ppt/slides/slide3.xml><?xml version="1.0" encoding="utf-8"?>
+<p:sld xmlns:a="http://schemas.openxmlformats.org/drawingml/2006/main" xmlns:r="http://schemas.openxmlformats.org/officeDocument/2006/relationships" xmlns:p="http://schemas.openxmlformats.org/presentationml/2006/main">
+  <p:cSld>
+    <p:spTree>
+      <p:nvGrpSpPr>
+        <p:cNvPr id="1" name=""/>
+        <p:cNvGrpSpPr/>
+        <p:nvPr/>
+      </p:nvGrpSpPr>
+      <p:grpSpPr>
+        <a:xfrm>
+          <a:off x="0" y="0"/>
+          <a:ext cx="0" cy="0"/>
+          <a:chOff x="0" y="0"/>
+          <a:chExt cx="0" cy="0"/>
+        </a:xfrm>
+      </p:grpSpPr>
+      <p:sp>
+        <p:nvSpPr>
+          <p:cNvPr id="2" name="标题 1"/>
+          <p:cNvSpPr>
+            <a:spLocks noGrp="1"/>
+          </p:cNvSpPr>
+          <p:nvPr>
+            <p:ph type="title"/>
+          </p:nvPr>
+        </p:nvSpPr>
+        <p:spPr/>
+        <p:txBody>
+          <a:bodyPr/>
+          <a:lstStyle/>
+          <a:p>
+            <a:r>
+              <a:rPr lang="en-US" altLang="zh-CN" dirty="0" smtClean="0"/>
               <a:t>Markov Models</a:t>
             </a:r>
             <a:endParaRPr lang="zh-CN" altLang="en-US" dirty="0"/>
@@ -4319,7 +4473,7 @@
 </p:sld>
 </file>
 
-<file path=ppt/slides/slide3.xml><?xml version="1.0" encoding="utf-8"?>
+<file path=ppt/slides/slide4.xml><?xml version="1.0" encoding="utf-8"?>
 <p:sld xmlns:a="http://schemas.openxmlformats.org/drawingml/2006/main" xmlns:r="http://schemas.openxmlformats.org/officeDocument/2006/relationships" xmlns:p="http://schemas.openxmlformats.org/presentationml/2006/main">
   <p:cSld>
     <p:spTree>
@@ -4453,7 +4607,7 @@
 </p:sld>
 </file>
 
-<file path=ppt/slides/slide4.xml><?xml version="1.0" encoding="utf-8"?>
+<file path=ppt/slides/slide5.xml><?xml version="1.0" encoding="utf-8"?>
 <p:sld xmlns:a="http://schemas.openxmlformats.org/drawingml/2006/main" xmlns:r="http://schemas.openxmlformats.org/officeDocument/2006/relationships" xmlns:p="http://schemas.openxmlformats.org/presentationml/2006/main">
   <p:cSld>
     <p:spTree>
@@ -4587,7 +4741,7 @@
 </p:sld>
 </file>
 
-<file path=ppt/slides/slide5.xml><?xml version="1.0" encoding="utf-8"?>
+<file path=ppt/slides/slide6.xml><?xml version="1.0" encoding="utf-8"?>
 <p:sld xmlns:a="http://schemas.openxmlformats.org/drawingml/2006/main" xmlns:r="http://schemas.openxmlformats.org/officeDocument/2006/relationships" xmlns:p="http://schemas.openxmlformats.org/presentationml/2006/main">
   <p:cSld>
     <p:spTree>
@@ -4673,7 +4827,7 @@
 </p:sld>
 </file>
 
-<file path=ppt/slides/slide6.xml><?xml version="1.0" encoding="utf-8"?>
+<file path=ppt/slides/slide7.xml><?xml version="1.0" encoding="utf-8"?>
 <p:sld xmlns:a="http://schemas.openxmlformats.org/drawingml/2006/main" xmlns:r="http://schemas.openxmlformats.org/officeDocument/2006/relationships" xmlns:p="http://schemas.openxmlformats.org/presentationml/2006/main">
   <p:cSld>
     <p:spTree>
@@ -4759,7 +4913,7 @@
 </p:sld>
 </file>
 
-<file path=ppt/slides/slide7.xml><?xml version="1.0" encoding="utf-8"?>
+<file path=ppt/slides/slide8.xml><?xml version="1.0" encoding="utf-8"?>
 <p:sld xmlns:a="http://schemas.openxmlformats.org/drawingml/2006/main" xmlns:r="http://schemas.openxmlformats.org/officeDocument/2006/relationships" xmlns:p="http://schemas.openxmlformats.org/presentationml/2006/main">
   <p:cSld>
     <p:spTree>
@@ -4845,7 +4999,7 @@
 </p:sld>
 </file>
 
-<file path=ppt/slides/slide8.xml><?xml version="1.0" encoding="utf-8"?>
+<file path=ppt/slides/slide9.xml><?xml version="1.0" encoding="utf-8"?>
 <p:sld xmlns:a="http://schemas.openxmlformats.org/drawingml/2006/main" xmlns:r="http://schemas.openxmlformats.org/officeDocument/2006/relationships" xmlns:p="http://schemas.openxmlformats.org/presentationml/2006/main">
   <p:cSld>
     <p:spTree>
@@ -4915,92 +5069,6 @@
     <p:extLst>
       <p:ext uri="{BB962C8B-B14F-4D97-AF65-F5344CB8AC3E}">
         <p14:creationId xmlns:p14="http://schemas.microsoft.com/office/powerpoint/2010/main" val="2943806230"/>
-      </p:ext>
-    </p:extLst>
-  </p:cSld>
-  <p:clrMapOvr>
-    <a:masterClrMapping/>
-  </p:clrMapOvr>
-  <p:timing>
-    <p:tnLst>
-      <p:par>
-        <p:cTn id="1" dur="indefinite" restart="never" nodeType="tmRoot"/>
-      </p:par>
-    </p:tnLst>
-  </p:timing>
-</p:sld>
-</file>
-
-<file path=ppt/slides/slide9.xml><?xml version="1.0" encoding="utf-8"?>
-<p:sld xmlns:a="http://schemas.openxmlformats.org/drawingml/2006/main" xmlns:r="http://schemas.openxmlformats.org/officeDocument/2006/relationships" xmlns:p="http://schemas.openxmlformats.org/presentationml/2006/main">
-  <p:cSld>
-    <p:spTree>
-      <p:nvGrpSpPr>
-        <p:cNvPr id="1" name=""/>
-        <p:cNvGrpSpPr/>
-        <p:nvPr/>
-      </p:nvGrpSpPr>
-      <p:grpSpPr>
-        <a:xfrm>
-          <a:off x="0" y="0"/>
-          <a:ext cx="0" cy="0"/>
-          <a:chOff x="0" y="0"/>
-          <a:chExt cx="0" cy="0"/>
-        </a:xfrm>
-      </p:grpSpPr>
-      <p:sp>
-        <p:nvSpPr>
-          <p:cNvPr id="2" name="标题 1"/>
-          <p:cNvSpPr>
-            <a:spLocks noGrp="1"/>
-          </p:cNvSpPr>
-          <p:nvPr>
-            <p:ph type="title"/>
-          </p:nvPr>
-        </p:nvSpPr>
-        <p:spPr/>
-        <p:txBody>
-          <a:bodyPr/>
-          <a:lstStyle/>
-          <a:p>
-            <a:r>
-              <a:rPr lang="en-US" altLang="zh-CN" dirty="0" smtClean="0"/>
-              <a:t>Baum-Welch Algorithm</a:t>
-            </a:r>
-            <a:endParaRPr lang="zh-CN" altLang="en-US" dirty="0"/>
-          </a:p>
-        </p:txBody>
-      </p:sp>
-      <p:pic>
-        <p:nvPicPr>
-          <p:cNvPr id="4" name="内容占位符 3"/>
-          <p:cNvPicPr>
-            <a:picLocks noGrp="1" noChangeAspect="1"/>
-          </p:cNvPicPr>
-          <p:nvPr>
-            <p:ph idx="1"/>
-          </p:nvPr>
-        </p:nvPicPr>
-        <p:blipFill>
-          <a:blip r:embed="rId3"/>
-          <a:stretch>
-            <a:fillRect/>
-          </a:stretch>
-        </p:blipFill>
-        <p:spPr>
-          <a:xfrm>
-            <a:off x="838200" y="1772871"/>
-            <a:ext cx="9896840" cy="4351338"/>
-          </a:xfrm>
-          <a:prstGeom prst="rect">
-            <a:avLst/>
-          </a:prstGeom>
-        </p:spPr>
-      </p:pic>
-    </p:spTree>
-    <p:extLst>
-      <p:ext uri="{BB962C8B-B14F-4D97-AF65-F5344CB8AC3E}">
-        <p14:creationId xmlns:p14="http://schemas.microsoft.com/office/powerpoint/2010/main" val="854817435"/>
       </p:ext>
     </p:extLst>
   </p:cSld>
